--- a/央媒工時預估-v3-1.pptx
+++ b/央媒工時預估-v3-1.pptx
@@ -5,7 +5,7 @@
     <p:sldMasterId id="2147483648" r:id="rId1"/>
   </p:sldMasterIdLst>
   <p:notesMasterIdLst>
-    <p:notesMasterId r:id="rId18"/>
+    <p:notesMasterId r:id="rId21"/>
   </p:notesMasterIdLst>
   <p:sldIdLst>
     <p:sldId id="256" r:id="rId2"/>
@@ -18,12 +18,15 @@
     <p:sldId id="366" r:id="rId9"/>
     <p:sldId id="360" r:id="rId10"/>
     <p:sldId id="317" r:id="rId11"/>
-    <p:sldId id="352" r:id="rId12"/>
-    <p:sldId id="368" r:id="rId13"/>
-    <p:sldId id="369" r:id="rId14"/>
-    <p:sldId id="361" r:id="rId15"/>
-    <p:sldId id="363" r:id="rId16"/>
-    <p:sldId id="364" r:id="rId17"/>
+    <p:sldId id="370" r:id="rId12"/>
+    <p:sldId id="371" r:id="rId13"/>
+    <p:sldId id="372" r:id="rId14"/>
+    <p:sldId id="352" r:id="rId15"/>
+    <p:sldId id="368" r:id="rId16"/>
+    <p:sldId id="369" r:id="rId17"/>
+    <p:sldId id="361" r:id="rId18"/>
+    <p:sldId id="363" r:id="rId19"/>
+    <p:sldId id="364" r:id="rId20"/>
   </p:sldIdLst>
   <p:sldSz cx="9144000" cy="6858000" type="screen4x3"/>
   <p:notesSz cx="6797675" cy="9926638"/>
@@ -258,7 +261,7 @@
   </p:defaultTextStyle>
   <p:extLst>
     <p:ext uri="{EFAFB233-063F-42B5-8137-9DF3F51BA10A}">
-      <p15:sldGuideLst xmlns:p15="http://schemas.microsoft.com/office/powerpoint/2012/main">
+      <p15:sldGuideLst xmlns:p15="http://schemas.microsoft.com/office/powerpoint/2012/main" xmlns="">
         <p15:guide id="1" orient="horz" pos="2159">
           <p15:clr>
             <a:srgbClr val="A4A3A4"/>
@@ -272,7 +275,7 @@
       </p15:sldGuideLst>
     </p:ext>
     <p:ext uri="http://customooxmlschemas.google.com/">
-      <go:slidesCustomData xmlns:go="http://customooxmlschemas.google.com/" xmlns:ahyp="http://schemas.microsoft.com/office/drawing/2018/hyperlinkcolor" xmlns:p15="http://schemas.microsoft.com/office/powerpoint/2012/main" xmlns:p14="http://schemas.microsoft.com/office/powerpoint/2010/main" xmlns:com="http://schemas.openxmlformats.org/drawingml/2006/compatibility" xmlns:pvml="urn:schemas-microsoft-com:office:powerpoint" xmlns:v="urn:schemas-microsoft-com:vml" xmlns:o="urn:schemas-microsoft-com:office:office" xmlns:dgm="http://schemas.openxmlformats.org/drawingml/2006/diagram" xmlns:c="http://schemas.openxmlformats.org/drawingml/2006/chart" xmlns:mv="urn:schemas-microsoft-com:mac:vml" xmlns:mc="http://schemas.openxmlformats.org/markup-compatibility/2006" xmlns="" r:id="rId43" roundtripDataSignature="AMtx7miGJyrXbA6V+jumynTdadI+F/Wfbw=="/>
+      <go:slidesCustomData xmlns="" xmlns:mc="http://schemas.openxmlformats.org/markup-compatibility/2006" xmlns:mv="urn:schemas-microsoft-com:mac:vml" xmlns:c="http://schemas.openxmlformats.org/drawingml/2006/chart" xmlns:dgm="http://schemas.openxmlformats.org/drawingml/2006/diagram" xmlns:o="urn:schemas-microsoft-com:office:office" xmlns:v="urn:schemas-microsoft-com:vml" xmlns:pvml="urn:schemas-microsoft-com:office:powerpoint" xmlns:com="http://schemas.openxmlformats.org/drawingml/2006/compatibility" xmlns:p14="http://schemas.microsoft.com/office/powerpoint/2010/main" xmlns:p15="http://schemas.microsoft.com/office/powerpoint/2012/main" xmlns:ahyp="http://schemas.microsoft.com/office/drawing/2018/hyperlinkcolor" xmlns:go="http://customooxmlschemas.google.com/" r:id="rId43" roundtripDataSignature="AMtx7miGJyrXbA6V+jumynTdadI+F/Wfbw=="/>
     </p:ext>
   </p:extLst>
 </p:presentation>
@@ -4842,23 +4845,7 @@
                   <a:schemeClr val="tx1"/>
                 </a:solidFill>
               </a:rPr>
-              <a:t>央媒系統建置</a:t>
-            </a:r>
-            <a:r>
-              <a:rPr lang="zh-TW" altLang="en-US" b="1" dirty="0" smtClean="0">
-                <a:solidFill>
-                  <a:schemeClr val="tx1"/>
-                </a:solidFill>
-              </a:rPr>
-              <a:t>專案</a:t>
-            </a:r>
-            <a:r>
-              <a:rPr lang="zh-TW" altLang="en-US" b="1" dirty="0" smtClean="0">
-                <a:solidFill>
-                  <a:schemeClr val="tx1"/>
-                </a:solidFill>
-              </a:rPr>
-              <a:t>說明</a:t>
+              <a:t>央媒系統建置專案說明</a:t>
             </a:r>
             <a:endParaRPr lang="en-US" altLang="zh-TW" b="1" dirty="0" smtClean="0">
               <a:solidFill>
@@ -5106,91 +5093,91 @@
                 <a:gridCol w="1634340">
                   <a:extLst>
                     <a:ext uri="{9D8B030D-6E8A-4147-A177-3AD203B41FA5}">
-                      <a16:colId xmlns:a16="http://schemas.microsoft.com/office/drawing/2014/main" val="3751574445"/>
+                      <a16:colId xmlns:a16="http://schemas.microsoft.com/office/drawing/2014/main" xmlns="" val="3751574445"/>
                     </a:ext>
                   </a:extLst>
                 </a:gridCol>
                 <a:gridCol w="517810">
                   <a:extLst>
                     <a:ext uri="{9D8B030D-6E8A-4147-A177-3AD203B41FA5}">
-                      <a16:colId xmlns:a16="http://schemas.microsoft.com/office/drawing/2014/main" val="1218877912"/>
+                      <a16:colId xmlns:a16="http://schemas.microsoft.com/office/drawing/2014/main" xmlns="" val="1218877912"/>
                     </a:ext>
                   </a:extLst>
                 </a:gridCol>
                 <a:gridCol w="517810">
                   <a:extLst>
                     <a:ext uri="{9D8B030D-6E8A-4147-A177-3AD203B41FA5}">
-                      <a16:colId xmlns:a16="http://schemas.microsoft.com/office/drawing/2014/main" val="3286262830"/>
+                      <a16:colId xmlns:a16="http://schemas.microsoft.com/office/drawing/2014/main" xmlns="" val="3286262830"/>
                     </a:ext>
                   </a:extLst>
                 </a:gridCol>
                 <a:gridCol w="509720">
                   <a:extLst>
                     <a:ext uri="{9D8B030D-6E8A-4147-A177-3AD203B41FA5}">
-                      <a16:colId xmlns:a16="http://schemas.microsoft.com/office/drawing/2014/main" val="4286556003"/>
+                      <a16:colId xmlns:a16="http://schemas.microsoft.com/office/drawing/2014/main" xmlns="" val="4286556003"/>
                     </a:ext>
                   </a:extLst>
                 </a:gridCol>
                 <a:gridCol w="509720">
                   <a:extLst>
                     <a:ext uri="{9D8B030D-6E8A-4147-A177-3AD203B41FA5}">
-                      <a16:colId xmlns:a16="http://schemas.microsoft.com/office/drawing/2014/main" val="2336882046"/>
+                      <a16:colId xmlns:a16="http://schemas.microsoft.com/office/drawing/2014/main" xmlns="" val="2336882046"/>
                     </a:ext>
                   </a:extLst>
                 </a:gridCol>
                 <a:gridCol w="509720">
                   <a:extLst>
                     <a:ext uri="{9D8B030D-6E8A-4147-A177-3AD203B41FA5}">
-                      <a16:colId xmlns:a16="http://schemas.microsoft.com/office/drawing/2014/main" val="1621362643"/>
+                      <a16:colId xmlns:a16="http://schemas.microsoft.com/office/drawing/2014/main" xmlns="" val="1621362643"/>
                     </a:ext>
                   </a:extLst>
                 </a:gridCol>
                 <a:gridCol w="509720">
                   <a:extLst>
                     <a:ext uri="{9D8B030D-6E8A-4147-A177-3AD203B41FA5}">
-                      <a16:colId xmlns:a16="http://schemas.microsoft.com/office/drawing/2014/main" val="4235124588"/>
+                      <a16:colId xmlns:a16="http://schemas.microsoft.com/office/drawing/2014/main" xmlns="" val="4235124588"/>
                     </a:ext>
                   </a:extLst>
                 </a:gridCol>
                 <a:gridCol w="509720">
                   <a:extLst>
                     <a:ext uri="{9D8B030D-6E8A-4147-A177-3AD203B41FA5}">
-                      <a16:colId xmlns:a16="http://schemas.microsoft.com/office/drawing/2014/main" val="2210142116"/>
+                      <a16:colId xmlns:a16="http://schemas.microsoft.com/office/drawing/2014/main" xmlns="" val="2210142116"/>
                     </a:ext>
                   </a:extLst>
                 </a:gridCol>
                 <a:gridCol w="509720">
                   <a:extLst>
                     <a:ext uri="{9D8B030D-6E8A-4147-A177-3AD203B41FA5}">
-                      <a16:colId xmlns:a16="http://schemas.microsoft.com/office/drawing/2014/main" val="1045797652"/>
+                      <a16:colId xmlns:a16="http://schemas.microsoft.com/office/drawing/2014/main" xmlns="" val="1045797652"/>
                     </a:ext>
                   </a:extLst>
                 </a:gridCol>
                 <a:gridCol w="509720">
                   <a:extLst>
                     <a:ext uri="{9D8B030D-6E8A-4147-A177-3AD203B41FA5}">
-                      <a16:colId xmlns:a16="http://schemas.microsoft.com/office/drawing/2014/main" val="1554983759"/>
+                      <a16:colId xmlns:a16="http://schemas.microsoft.com/office/drawing/2014/main" xmlns="" val="1554983759"/>
                     </a:ext>
                   </a:extLst>
                 </a:gridCol>
                 <a:gridCol w="509720">
                   <a:extLst>
                     <a:ext uri="{9D8B030D-6E8A-4147-A177-3AD203B41FA5}">
-                      <a16:colId xmlns:a16="http://schemas.microsoft.com/office/drawing/2014/main" val="1983385362"/>
+                      <a16:colId xmlns:a16="http://schemas.microsoft.com/office/drawing/2014/main" xmlns="" val="1983385362"/>
                     </a:ext>
                   </a:extLst>
                 </a:gridCol>
                 <a:gridCol w="509720">
                   <a:extLst>
                     <a:ext uri="{9D8B030D-6E8A-4147-A177-3AD203B41FA5}">
-                      <a16:colId xmlns:a16="http://schemas.microsoft.com/office/drawing/2014/main" val="3720651133"/>
+                      <a16:colId xmlns:a16="http://schemas.microsoft.com/office/drawing/2014/main" xmlns="" val="3720651133"/>
                     </a:ext>
                   </a:extLst>
                 </a:gridCol>
                 <a:gridCol w="509720">
                   <a:extLst>
                     <a:ext uri="{9D8B030D-6E8A-4147-A177-3AD203B41FA5}">
-                      <a16:colId xmlns:a16="http://schemas.microsoft.com/office/drawing/2014/main" val="624311166"/>
+                      <a16:colId xmlns:a16="http://schemas.microsoft.com/office/drawing/2014/main" xmlns="" val="624311166"/>
                     </a:ext>
                   </a:extLst>
                 </a:gridCol>
@@ -5424,7 +5411,7 @@
                 </a:tc>
                 <a:extLst>
                   <a:ext uri="{0D108BD9-81ED-4DB2-BD59-A6C34878D82A}">
-                    <a16:rowId xmlns:a16="http://schemas.microsoft.com/office/drawing/2014/main" val="3797821892"/>
+                    <a16:rowId xmlns:a16="http://schemas.microsoft.com/office/drawing/2014/main" xmlns="" val="3797821892"/>
                   </a:ext>
                 </a:extLst>
               </a:tr>
@@ -6137,7 +6124,7 @@
                 </a:tc>
                 <a:extLst>
                   <a:ext uri="{0D108BD9-81ED-4DB2-BD59-A6C34878D82A}">
-                    <a16:rowId xmlns:a16="http://schemas.microsoft.com/office/drawing/2014/main" val="2207838654"/>
+                    <a16:rowId xmlns:a16="http://schemas.microsoft.com/office/drawing/2014/main" xmlns="" val="2207838654"/>
                   </a:ext>
                 </a:extLst>
               </a:tr>
@@ -6865,7 +6852,7 @@
                 </a:tc>
                 <a:extLst>
                   <a:ext uri="{0D108BD9-81ED-4DB2-BD59-A6C34878D82A}">
-                    <a16:rowId xmlns:a16="http://schemas.microsoft.com/office/drawing/2014/main" val="1309102534"/>
+                    <a16:rowId xmlns:a16="http://schemas.microsoft.com/office/drawing/2014/main" xmlns="" val="1309102534"/>
                   </a:ext>
                 </a:extLst>
               </a:tr>
@@ -7599,7 +7586,7 @@
                 </a:tc>
                 <a:extLst>
                   <a:ext uri="{0D108BD9-81ED-4DB2-BD59-A6C34878D82A}">
-                    <a16:rowId xmlns:a16="http://schemas.microsoft.com/office/drawing/2014/main" val="3415862333"/>
+                    <a16:rowId xmlns:a16="http://schemas.microsoft.com/office/drawing/2014/main" xmlns="" val="3415862333"/>
                   </a:ext>
                 </a:extLst>
               </a:tr>
@@ -8333,7 +8320,7 @@
                 </a:tc>
                 <a:extLst>
                   <a:ext uri="{0D108BD9-81ED-4DB2-BD59-A6C34878D82A}">
-                    <a16:rowId xmlns:a16="http://schemas.microsoft.com/office/drawing/2014/main" val="1234297853"/>
+                    <a16:rowId xmlns:a16="http://schemas.microsoft.com/office/drawing/2014/main" xmlns="" val="1234297853"/>
                   </a:ext>
                 </a:extLst>
               </a:tr>
@@ -9064,7 +9051,7 @@
                 </a:tc>
                 <a:extLst>
                   <a:ext uri="{0D108BD9-81ED-4DB2-BD59-A6C34878D82A}">
-                    <a16:rowId xmlns:a16="http://schemas.microsoft.com/office/drawing/2014/main" val="3308075505"/>
+                    <a16:rowId xmlns:a16="http://schemas.microsoft.com/office/drawing/2014/main" xmlns="" val="3308075505"/>
                   </a:ext>
                 </a:extLst>
               </a:tr>
@@ -9804,7 +9791,7 @@
                 </a:tc>
                 <a:extLst>
                   <a:ext uri="{0D108BD9-81ED-4DB2-BD59-A6C34878D82A}">
-                    <a16:rowId xmlns:a16="http://schemas.microsoft.com/office/drawing/2014/main" val="2459951724"/>
+                    <a16:rowId xmlns:a16="http://schemas.microsoft.com/office/drawing/2014/main" xmlns="" val="2459951724"/>
                   </a:ext>
                 </a:extLst>
               </a:tr>
@@ -10548,7 +10535,7 @@
                 </a:tc>
                 <a:extLst>
                   <a:ext uri="{0D108BD9-81ED-4DB2-BD59-A6C34878D82A}">
-                    <a16:rowId xmlns:a16="http://schemas.microsoft.com/office/drawing/2014/main" val="3489110974"/>
+                    <a16:rowId xmlns:a16="http://schemas.microsoft.com/office/drawing/2014/main" xmlns="" val="3489110974"/>
                   </a:ext>
                 </a:extLst>
               </a:tr>
@@ -11251,7 +11238,7 @@
                 </a:tc>
                 <a:extLst>
                   <a:ext uri="{0D108BD9-81ED-4DB2-BD59-A6C34878D82A}">
-                    <a16:rowId xmlns:a16="http://schemas.microsoft.com/office/drawing/2014/main" val="1473468956"/>
+                    <a16:rowId xmlns:a16="http://schemas.microsoft.com/office/drawing/2014/main" xmlns="" val="1473468956"/>
                   </a:ext>
                 </a:extLst>
               </a:tr>
@@ -11979,7 +11966,7 @@
                 </a:tc>
                 <a:extLst>
                   <a:ext uri="{0D108BD9-81ED-4DB2-BD59-A6C34878D82A}">
-                    <a16:rowId xmlns:a16="http://schemas.microsoft.com/office/drawing/2014/main" val="785096305"/>
+                    <a16:rowId xmlns:a16="http://schemas.microsoft.com/office/drawing/2014/main" xmlns="" val="785096305"/>
                   </a:ext>
                 </a:extLst>
               </a:tr>
@@ -12704,7 +12691,7 @@
                 </a:tc>
                 <a:extLst>
                   <a:ext uri="{0D108BD9-81ED-4DB2-BD59-A6C34878D82A}">
-                    <a16:rowId xmlns:a16="http://schemas.microsoft.com/office/drawing/2014/main" val="2440185204"/>
+                    <a16:rowId xmlns:a16="http://schemas.microsoft.com/office/drawing/2014/main" xmlns="" val="2440185204"/>
                   </a:ext>
                 </a:extLst>
               </a:tr>
@@ -12728,6 +12715,463 @@
 </file>
 
 <file path=ppt/slides/slide11.xml><?xml version="1.0" encoding="utf-8"?>
+<p:sld xmlns:a="http://schemas.openxmlformats.org/drawingml/2006/main" xmlns:r="http://schemas.openxmlformats.org/officeDocument/2006/relationships" xmlns:p="http://schemas.openxmlformats.org/presentationml/2006/main">
+  <p:cSld>
+    <p:spTree>
+      <p:nvGrpSpPr>
+        <p:cNvPr id="1" name=""/>
+        <p:cNvGrpSpPr/>
+        <p:nvPr/>
+      </p:nvGrpSpPr>
+      <p:grpSpPr>
+        <a:xfrm>
+          <a:off x="0" y="0"/>
+          <a:ext cx="0" cy="0"/>
+          <a:chOff x="0" y="0"/>
+          <a:chExt cx="0" cy="0"/>
+        </a:xfrm>
+      </p:grpSpPr>
+      <p:sp>
+        <p:nvSpPr>
+          <p:cNvPr id="2" name="標題 1"/>
+          <p:cNvSpPr>
+            <a:spLocks noGrp="1"/>
+          </p:cNvSpPr>
+          <p:nvPr>
+            <p:ph type="title"/>
+          </p:nvPr>
+        </p:nvSpPr>
+        <p:spPr/>
+        <p:txBody>
+          <a:bodyPr/>
+          <a:lstStyle/>
+          <a:p>
+            <a:r>
+              <a:rPr lang="zh-TW" altLang="en-US" dirty="0" smtClean="0"/>
+              <a:t>硬體架構</a:t>
+            </a:r>
+            <a:r>
+              <a:rPr lang="en-US" altLang="zh-TW" dirty="0" smtClean="0"/>
+              <a:t>-</a:t>
+            </a:r>
+            <a:r>
+              <a:rPr lang="zh-TW" altLang="en-US" dirty="0" smtClean="0"/>
+              <a:t>正式環境</a:t>
+            </a:r>
+            <a:endParaRPr lang="zh-TW" altLang="en-US" dirty="0"/>
+          </a:p>
+        </p:txBody>
+      </p:sp>
+      <p:sp>
+        <p:nvSpPr>
+          <p:cNvPr id="3" name="文字版面配置區 2"/>
+          <p:cNvSpPr>
+            <a:spLocks noGrp="1"/>
+          </p:cNvSpPr>
+          <p:nvPr>
+            <p:ph type="body" idx="1"/>
+          </p:nvPr>
+        </p:nvSpPr>
+        <p:spPr/>
+        <p:txBody>
+          <a:bodyPr/>
+          <a:lstStyle/>
+          <a:p>
+            <a:endParaRPr lang="zh-TW" altLang="en-US" dirty="0"/>
+          </a:p>
+        </p:txBody>
+      </p:sp>
+      <p:pic>
+        <p:nvPicPr>
+          <p:cNvPr id="1027" name="Picture 3"/>
+          <p:cNvPicPr>
+            <a:picLocks noChangeAspect="1" noChangeArrowheads="1"/>
+          </p:cNvPicPr>
+          <p:nvPr/>
+        </p:nvPicPr>
+        <p:blipFill>
+          <a:blip r:embed="rId2">
+            <a:extLst>
+              <a:ext uri="{28A0092B-C50C-407E-A947-70E740481C1C}">
+                <a14:useLocalDpi xmlns:a14="http://schemas.microsoft.com/office/drawing/2010/main" val="0"/>
+              </a:ext>
+            </a:extLst>
+          </a:blip>
+          <a:srcRect/>
+          <a:stretch>
+            <a:fillRect/>
+          </a:stretch>
+        </p:blipFill>
+        <p:spPr bwMode="auto">
+          <a:xfrm>
+            <a:off x="905255" y="859570"/>
+            <a:ext cx="7306057" cy="5806659"/>
+          </a:xfrm>
+          <a:prstGeom prst="rect">
+            <a:avLst/>
+          </a:prstGeom>
+          <a:noFill/>
+          <a:ln>
+            <a:noFill/>
+          </a:ln>
+          <a:effectLst/>
+          <a:extLst>
+            <a:ext uri="{909E8E84-426E-40DD-AFC4-6F175D3DCCD1}">
+              <a14:hiddenFill xmlns:a14="http://schemas.microsoft.com/office/drawing/2010/main">
+                <a:solidFill>
+                  <a:schemeClr val="accent1"/>
+                </a:solidFill>
+              </a14:hiddenFill>
+            </a:ext>
+            <a:ext uri="{91240B29-F687-4F45-9708-019B960494DF}">
+              <a14:hiddenLine xmlns:a14="http://schemas.microsoft.com/office/drawing/2010/main" w="9525">
+                <a:solidFill>
+                  <a:schemeClr val="tx1"/>
+                </a:solidFill>
+                <a:miter lim="800000"/>
+                <a:headEnd/>
+                <a:tailEnd/>
+              </a14:hiddenLine>
+            </a:ext>
+            <a:ext uri="{AF507438-7753-43E0-B8FC-AC1667EBCBE1}">
+              <a14:hiddenEffects xmlns:a14="http://schemas.microsoft.com/office/drawing/2010/main">
+                <a:effectLst>
+                  <a:outerShdw dist="35921" dir="2700000" algn="ctr" rotWithShape="0">
+                    <a:schemeClr val="bg2"/>
+                  </a:outerShdw>
+                </a:effectLst>
+              </a14:hiddenEffects>
+            </a:ext>
+          </a:extLst>
+        </p:spPr>
+      </p:pic>
+    </p:spTree>
+    <p:extLst>
+      <p:ext uri="{BB962C8B-B14F-4D97-AF65-F5344CB8AC3E}">
+        <p14:creationId xmlns:p14="http://schemas.microsoft.com/office/powerpoint/2010/main" val="3572044359"/>
+      </p:ext>
+    </p:extLst>
+  </p:cSld>
+  <p:clrMapOvr>
+    <a:masterClrMapping/>
+  </p:clrMapOvr>
+  <p:timing>
+    <p:tnLst>
+      <p:par>
+        <p:cTn id="1" dur="indefinite" restart="never" nodeType="tmRoot"/>
+      </p:par>
+    </p:tnLst>
+  </p:timing>
+</p:sld>
+</file>
+
+<file path=ppt/slides/slide12.xml><?xml version="1.0" encoding="utf-8"?>
+<p:sld xmlns:a="http://schemas.openxmlformats.org/drawingml/2006/main" xmlns:r="http://schemas.openxmlformats.org/officeDocument/2006/relationships" xmlns:p="http://schemas.openxmlformats.org/presentationml/2006/main">
+  <p:cSld>
+    <p:spTree>
+      <p:nvGrpSpPr>
+        <p:cNvPr id="1" name=""/>
+        <p:cNvGrpSpPr/>
+        <p:nvPr/>
+      </p:nvGrpSpPr>
+      <p:grpSpPr>
+        <a:xfrm>
+          <a:off x="0" y="0"/>
+          <a:ext cx="0" cy="0"/>
+          <a:chOff x="0" y="0"/>
+          <a:chExt cx="0" cy="0"/>
+        </a:xfrm>
+      </p:grpSpPr>
+      <p:sp>
+        <p:nvSpPr>
+          <p:cNvPr id="2" name="標題 1"/>
+          <p:cNvSpPr>
+            <a:spLocks noGrp="1"/>
+          </p:cNvSpPr>
+          <p:nvPr>
+            <p:ph type="title"/>
+          </p:nvPr>
+        </p:nvSpPr>
+        <p:spPr/>
+        <p:txBody>
+          <a:bodyPr/>
+          <a:lstStyle/>
+          <a:p>
+            <a:r>
+              <a:rPr lang="zh-TW" altLang="en-US" dirty="0"/>
+              <a:t>硬體架構</a:t>
+            </a:r>
+            <a:r>
+              <a:rPr lang="en-US" altLang="zh-TW" dirty="0"/>
+              <a:t>-</a:t>
+            </a:r>
+            <a:r>
+              <a:rPr lang="zh-TW" altLang="en-US" dirty="0" smtClean="0"/>
+              <a:t>測試環境</a:t>
+            </a:r>
+            <a:endParaRPr lang="zh-TW" altLang="en-US" dirty="0"/>
+          </a:p>
+        </p:txBody>
+      </p:sp>
+      <p:sp>
+        <p:nvSpPr>
+          <p:cNvPr id="3" name="文字版面配置區 2"/>
+          <p:cNvSpPr>
+            <a:spLocks noGrp="1"/>
+          </p:cNvSpPr>
+          <p:nvPr>
+            <p:ph type="body" idx="1"/>
+          </p:nvPr>
+        </p:nvSpPr>
+        <p:spPr/>
+        <p:txBody>
+          <a:bodyPr/>
+          <a:lstStyle/>
+          <a:p>
+            <a:endParaRPr lang="zh-TW" altLang="en-US" dirty="0"/>
+          </a:p>
+        </p:txBody>
+      </p:sp>
+      <p:pic>
+        <p:nvPicPr>
+          <p:cNvPr id="2051" name="Picture 3"/>
+          <p:cNvPicPr>
+            <a:picLocks noChangeAspect="1" noChangeArrowheads="1"/>
+          </p:cNvPicPr>
+          <p:nvPr/>
+        </p:nvPicPr>
+        <p:blipFill>
+          <a:blip r:embed="rId2">
+            <a:extLst>
+              <a:ext uri="{28A0092B-C50C-407E-A947-70E740481C1C}">
+                <a14:useLocalDpi xmlns:a14="http://schemas.microsoft.com/office/drawing/2010/main" val="0"/>
+              </a:ext>
+            </a:extLst>
+          </a:blip>
+          <a:srcRect/>
+          <a:stretch>
+            <a:fillRect/>
+          </a:stretch>
+        </p:blipFill>
+        <p:spPr bwMode="auto">
+          <a:xfrm>
+            <a:off x="941833" y="743398"/>
+            <a:ext cx="7156322" cy="5968551"/>
+          </a:xfrm>
+          <a:prstGeom prst="rect">
+            <a:avLst/>
+          </a:prstGeom>
+          <a:noFill/>
+          <a:ln>
+            <a:noFill/>
+          </a:ln>
+          <a:effectLst/>
+          <a:extLst>
+            <a:ext uri="{909E8E84-426E-40DD-AFC4-6F175D3DCCD1}">
+              <a14:hiddenFill xmlns:a14="http://schemas.microsoft.com/office/drawing/2010/main">
+                <a:solidFill>
+                  <a:schemeClr val="accent1"/>
+                </a:solidFill>
+              </a14:hiddenFill>
+            </a:ext>
+            <a:ext uri="{91240B29-F687-4F45-9708-019B960494DF}">
+              <a14:hiddenLine xmlns:a14="http://schemas.microsoft.com/office/drawing/2010/main" w="9525">
+                <a:solidFill>
+                  <a:schemeClr val="tx1"/>
+                </a:solidFill>
+                <a:miter lim="800000"/>
+                <a:headEnd/>
+                <a:tailEnd/>
+              </a14:hiddenLine>
+            </a:ext>
+            <a:ext uri="{AF507438-7753-43E0-B8FC-AC1667EBCBE1}">
+              <a14:hiddenEffects xmlns:a14="http://schemas.microsoft.com/office/drawing/2010/main">
+                <a:effectLst>
+                  <a:outerShdw dist="35921" dir="2700000" algn="ctr" rotWithShape="0">
+                    <a:schemeClr val="bg2"/>
+                  </a:outerShdw>
+                </a:effectLst>
+              </a14:hiddenEffects>
+            </a:ext>
+          </a:extLst>
+        </p:spPr>
+      </p:pic>
+    </p:spTree>
+    <p:extLst>
+      <p:ext uri="{BB962C8B-B14F-4D97-AF65-F5344CB8AC3E}">
+        <p14:creationId xmlns:p14="http://schemas.microsoft.com/office/powerpoint/2010/main" val="3292115932"/>
+      </p:ext>
+    </p:extLst>
+  </p:cSld>
+  <p:clrMapOvr>
+    <a:masterClrMapping/>
+  </p:clrMapOvr>
+  <p:timing>
+    <p:tnLst>
+      <p:par>
+        <p:cTn id="1" dur="indefinite" restart="never" nodeType="tmRoot"/>
+      </p:par>
+    </p:tnLst>
+  </p:timing>
+</p:sld>
+</file>
+
+<file path=ppt/slides/slide13.xml><?xml version="1.0" encoding="utf-8"?>
+<p:sld xmlns:a="http://schemas.openxmlformats.org/drawingml/2006/main" xmlns:r="http://schemas.openxmlformats.org/officeDocument/2006/relationships" xmlns:p="http://schemas.openxmlformats.org/presentationml/2006/main">
+  <p:cSld>
+    <p:spTree>
+      <p:nvGrpSpPr>
+        <p:cNvPr id="1" name=""/>
+        <p:cNvGrpSpPr/>
+        <p:nvPr/>
+      </p:nvGrpSpPr>
+      <p:grpSpPr>
+        <a:xfrm>
+          <a:off x="0" y="0"/>
+          <a:ext cx="0" cy="0"/>
+          <a:chOff x="0" y="0"/>
+          <a:chExt cx="0" cy="0"/>
+        </a:xfrm>
+      </p:grpSpPr>
+      <p:sp>
+        <p:nvSpPr>
+          <p:cNvPr id="2" name="標題 1"/>
+          <p:cNvSpPr>
+            <a:spLocks noGrp="1"/>
+          </p:cNvSpPr>
+          <p:nvPr>
+            <p:ph type="title"/>
+          </p:nvPr>
+        </p:nvSpPr>
+        <p:spPr/>
+        <p:txBody>
+          <a:bodyPr/>
+          <a:lstStyle/>
+          <a:p>
+            <a:r>
+              <a:rPr lang="zh-TW" altLang="en-US" dirty="0"/>
+              <a:t>硬體架構</a:t>
+            </a:r>
+            <a:r>
+              <a:rPr lang="en-US" altLang="zh-TW" dirty="0" smtClean="0"/>
+              <a:t>-</a:t>
+            </a:r>
+            <a:r>
+              <a:rPr lang="zh-TW" altLang="en-US" dirty="0"/>
+              <a:t>孤島</a:t>
+            </a:r>
+            <a:r>
+              <a:rPr lang="zh-TW" altLang="en-US" dirty="0" smtClean="0"/>
+              <a:t>演練</a:t>
+            </a:r>
+            <a:endParaRPr lang="zh-TW" altLang="en-US" dirty="0"/>
+          </a:p>
+        </p:txBody>
+      </p:sp>
+      <p:sp>
+        <p:nvSpPr>
+          <p:cNvPr id="3" name="文字版面配置區 2"/>
+          <p:cNvSpPr>
+            <a:spLocks noGrp="1"/>
+          </p:cNvSpPr>
+          <p:nvPr>
+            <p:ph type="body" idx="1"/>
+          </p:nvPr>
+        </p:nvSpPr>
+        <p:spPr/>
+        <p:txBody>
+          <a:bodyPr/>
+          <a:lstStyle/>
+          <a:p>
+            <a:endParaRPr lang="zh-TW" altLang="en-US" dirty="0"/>
+          </a:p>
+        </p:txBody>
+      </p:sp>
+      <p:pic>
+        <p:nvPicPr>
+          <p:cNvPr id="3075" name="Picture 3"/>
+          <p:cNvPicPr>
+            <a:picLocks noChangeAspect="1" noChangeArrowheads="1"/>
+          </p:cNvPicPr>
+          <p:nvPr/>
+        </p:nvPicPr>
+        <p:blipFill>
+          <a:blip r:embed="rId2">
+            <a:extLst>
+              <a:ext uri="{28A0092B-C50C-407E-A947-70E740481C1C}">
+                <a14:useLocalDpi xmlns:a14="http://schemas.microsoft.com/office/drawing/2010/main" val="0"/>
+              </a:ext>
+            </a:extLst>
+          </a:blip>
+          <a:srcRect/>
+          <a:stretch>
+            <a:fillRect/>
+          </a:stretch>
+        </p:blipFill>
+        <p:spPr bwMode="auto">
+          <a:xfrm>
+            <a:off x="841249" y="913317"/>
+            <a:ext cx="7388352" cy="4804913"/>
+          </a:xfrm>
+          <a:prstGeom prst="rect">
+            <a:avLst/>
+          </a:prstGeom>
+          <a:noFill/>
+          <a:ln>
+            <a:noFill/>
+          </a:ln>
+          <a:effectLst/>
+          <a:extLst>
+            <a:ext uri="{909E8E84-426E-40DD-AFC4-6F175D3DCCD1}">
+              <a14:hiddenFill xmlns:a14="http://schemas.microsoft.com/office/drawing/2010/main">
+                <a:solidFill>
+                  <a:schemeClr val="accent1"/>
+                </a:solidFill>
+              </a14:hiddenFill>
+            </a:ext>
+            <a:ext uri="{91240B29-F687-4F45-9708-019B960494DF}">
+              <a14:hiddenLine xmlns:a14="http://schemas.microsoft.com/office/drawing/2010/main" w="9525">
+                <a:solidFill>
+                  <a:schemeClr val="tx1"/>
+                </a:solidFill>
+                <a:miter lim="800000"/>
+                <a:headEnd/>
+                <a:tailEnd/>
+              </a14:hiddenLine>
+            </a:ext>
+            <a:ext uri="{AF507438-7753-43E0-B8FC-AC1667EBCBE1}">
+              <a14:hiddenEffects xmlns:a14="http://schemas.microsoft.com/office/drawing/2010/main">
+                <a:effectLst>
+                  <a:outerShdw dist="35921" dir="2700000" algn="ctr" rotWithShape="0">
+                    <a:schemeClr val="bg2"/>
+                  </a:outerShdw>
+                </a:effectLst>
+              </a14:hiddenEffects>
+            </a:ext>
+          </a:extLst>
+        </p:spPr>
+      </p:pic>
+    </p:spTree>
+    <p:extLst>
+      <p:ext uri="{BB962C8B-B14F-4D97-AF65-F5344CB8AC3E}">
+        <p14:creationId xmlns:p14="http://schemas.microsoft.com/office/powerpoint/2010/main" val="2165367501"/>
+      </p:ext>
+    </p:extLst>
+  </p:cSld>
+  <p:clrMapOvr>
+    <a:masterClrMapping/>
+  </p:clrMapOvr>
+  <p:timing>
+    <p:tnLst>
+      <p:par>
+        <p:cTn id="1" dur="indefinite" restart="never" nodeType="tmRoot"/>
+      </p:par>
+    </p:tnLst>
+  </p:timing>
+</p:sld>
+</file>
+
+<file path=ppt/slides/slide14.xml><?xml version="1.0" encoding="utf-8"?>
 <p:sld xmlns:a="http://schemas.openxmlformats.org/drawingml/2006/main" xmlns:r="http://schemas.openxmlformats.org/officeDocument/2006/relationships" xmlns:p="http://schemas.openxmlformats.org/presentationml/2006/main">
   <p:cSld>
     <p:spTree>
@@ -12799,42 +13243,42 @@
                 <a:gridCol w="1172747">
                   <a:extLst>
                     <a:ext uri="{9D8B030D-6E8A-4147-A177-3AD203B41FA5}">
-                      <a16:colId xmlns:a16="http://schemas.microsoft.com/office/drawing/2014/main" val="1308995454"/>
+                      <a16:colId xmlns:a16="http://schemas.microsoft.com/office/drawing/2014/main" xmlns="" val="1308995454"/>
                     </a:ext>
                   </a:extLst>
                 </a:gridCol>
                 <a:gridCol w="1534345">
                   <a:extLst>
                     <a:ext uri="{9D8B030D-6E8A-4147-A177-3AD203B41FA5}">
-                      <a16:colId xmlns:a16="http://schemas.microsoft.com/office/drawing/2014/main" val="1900252794"/>
+                      <a16:colId xmlns:a16="http://schemas.microsoft.com/office/drawing/2014/main" xmlns="" val="1900252794"/>
                     </a:ext>
                   </a:extLst>
                 </a:gridCol>
                 <a:gridCol w="1387752">
                   <a:extLst>
                     <a:ext uri="{9D8B030D-6E8A-4147-A177-3AD203B41FA5}">
-                      <a16:colId xmlns:a16="http://schemas.microsoft.com/office/drawing/2014/main" val="2445429885"/>
+                      <a16:colId xmlns:a16="http://schemas.microsoft.com/office/drawing/2014/main" xmlns="" val="2445429885"/>
                     </a:ext>
                   </a:extLst>
                 </a:gridCol>
                 <a:gridCol w="1221612">
                   <a:extLst>
                     <a:ext uri="{9D8B030D-6E8A-4147-A177-3AD203B41FA5}">
-                      <a16:colId xmlns:a16="http://schemas.microsoft.com/office/drawing/2014/main" val="261040892"/>
+                      <a16:colId xmlns:a16="http://schemas.microsoft.com/office/drawing/2014/main" xmlns="" val="261040892"/>
                     </a:ext>
                   </a:extLst>
                 </a:gridCol>
                 <a:gridCol w="1241160">
                   <a:extLst>
                     <a:ext uri="{9D8B030D-6E8A-4147-A177-3AD203B41FA5}">
-                      <a16:colId xmlns:a16="http://schemas.microsoft.com/office/drawing/2014/main" val="3826499269"/>
+                      <a16:colId xmlns:a16="http://schemas.microsoft.com/office/drawing/2014/main" xmlns="" val="3826499269"/>
                     </a:ext>
                   </a:extLst>
                 </a:gridCol>
                 <a:gridCol w="1241158">
                   <a:extLst>
                     <a:ext uri="{9D8B030D-6E8A-4147-A177-3AD203B41FA5}">
-                      <a16:colId xmlns:a16="http://schemas.microsoft.com/office/drawing/2014/main" val="3604145925"/>
+                      <a16:colId xmlns:a16="http://schemas.microsoft.com/office/drawing/2014/main" xmlns="" val="3604145925"/>
                     </a:ext>
                   </a:extLst>
                 </a:gridCol>
@@ -13049,7 +13493,7 @@
                 </a:tc>
                 <a:extLst>
                   <a:ext uri="{0D108BD9-81ED-4DB2-BD59-A6C34878D82A}">
-                    <a16:rowId xmlns:a16="http://schemas.microsoft.com/office/drawing/2014/main" val="2223722940"/>
+                    <a16:rowId xmlns:a16="http://schemas.microsoft.com/office/drawing/2014/main" xmlns="" val="2223722940"/>
                   </a:ext>
                 </a:extLst>
               </a:tr>
@@ -13260,7 +13704,7 @@
                 </a:tc>
                 <a:extLst>
                   <a:ext uri="{0D108BD9-81ED-4DB2-BD59-A6C34878D82A}">
-                    <a16:rowId xmlns:a16="http://schemas.microsoft.com/office/drawing/2014/main" val="1991810644"/>
+                    <a16:rowId xmlns:a16="http://schemas.microsoft.com/office/drawing/2014/main" xmlns="" val="1991810644"/>
                   </a:ext>
                 </a:extLst>
               </a:tr>
@@ -13461,7 +13905,7 @@
                 </a:tc>
                 <a:extLst>
                   <a:ext uri="{0D108BD9-81ED-4DB2-BD59-A6C34878D82A}">
-                    <a16:rowId xmlns:a16="http://schemas.microsoft.com/office/drawing/2014/main" val="4140419535"/>
+                    <a16:rowId xmlns:a16="http://schemas.microsoft.com/office/drawing/2014/main" xmlns="" val="4140419535"/>
                   </a:ext>
                 </a:extLst>
               </a:tr>
@@ -13745,15 +14189,7 @@
                   <a:srgbClr val="3333FF"/>
                 </a:solidFill>
               </a:rPr>
-              <a:t>平均</a:t>
-            </a:r>
-            <a:r>
-              <a:rPr lang="zh-TW" altLang="en-US" b="1" dirty="0" smtClean="0">
-                <a:solidFill>
-                  <a:srgbClr val="3333FF"/>
-                </a:solidFill>
-              </a:rPr>
-              <a:t>每月 </a:t>
+              <a:t>平均每月 </a:t>
             </a:r>
             <a:r>
               <a:rPr lang="en-US" altLang="zh-TW" b="1" dirty="0" smtClean="0">
@@ -13835,7 +14271,7 @@
 </p:sld>
 </file>
 
-<file path=ppt/slides/slide12.xml><?xml version="1.0" encoding="utf-8"?>
+<file path=ppt/slides/slide15.xml><?xml version="1.0" encoding="utf-8"?>
 <p:sld xmlns:a="http://schemas.openxmlformats.org/drawingml/2006/main" xmlns:r="http://schemas.openxmlformats.org/officeDocument/2006/relationships" xmlns:p="http://schemas.openxmlformats.org/presentationml/2006/main">
   <p:cSld>
     <p:spTree>
@@ -13960,7 +14396,7 @@
 </p:sld>
 </file>
 
-<file path=ppt/slides/slide13.xml><?xml version="1.0" encoding="utf-8"?>
+<file path=ppt/slides/slide16.xml><?xml version="1.0" encoding="utf-8"?>
 <p:sld xmlns:a="http://schemas.openxmlformats.org/drawingml/2006/main" xmlns:r="http://schemas.openxmlformats.org/officeDocument/2006/relationships" xmlns:p="http://schemas.openxmlformats.org/presentationml/2006/main">
   <p:cSld>
     <p:spTree>
@@ -13996,7 +14432,6 @@
               <a:rPr lang="zh-TW" altLang="en-US" dirty="0"/>
               <a:t>專案協助事項</a:t>
             </a:r>
-            <a:endParaRPr lang="zh-TW" altLang="en-US" dirty="0"/>
           </a:p>
         </p:txBody>
       </p:sp>
@@ -14069,7 +14504,7 @@
 </p:sld>
 </file>
 
-<file path=ppt/slides/slide14.xml><?xml version="1.0" encoding="utf-8"?>
+<file path=ppt/slides/slide17.xml><?xml version="1.0" encoding="utf-8"?>
 <p:sld xmlns:a="http://schemas.openxmlformats.org/drawingml/2006/main" xmlns:r="http://schemas.openxmlformats.org/officeDocument/2006/relationships" xmlns:p="http://schemas.openxmlformats.org/presentationml/2006/main">
   <p:cSld>
     <p:spTree>
@@ -14131,7 +14566,7 @@
 </p:sld>
 </file>
 
-<file path=ppt/slides/slide15.xml><?xml version="1.0" encoding="utf-8"?>
+<file path=ppt/slides/slide18.xml><?xml version="1.0" encoding="utf-8"?>
 <p:sld xmlns:a="http://schemas.openxmlformats.org/drawingml/2006/main" xmlns:r="http://schemas.openxmlformats.org/officeDocument/2006/relationships" xmlns:p="http://schemas.openxmlformats.org/presentationml/2006/main">
   <p:cSld>
     <p:spTree>
@@ -14233,7 +14668,7 @@
 </p:sld>
 </file>
 
-<file path=ppt/slides/slide16.xml><?xml version="1.0" encoding="utf-8"?>
+<file path=ppt/slides/slide19.xml><?xml version="1.0" encoding="utf-8"?>
 <p:sld xmlns:a="http://schemas.openxmlformats.org/drawingml/2006/main" xmlns:r="http://schemas.openxmlformats.org/officeDocument/2006/relationships" xmlns:p="http://schemas.openxmlformats.org/presentationml/2006/main">
   <p:cSld>
     <p:spTree>
@@ -18909,11 +19344,7 @@
             </a:pPr>
             <a:r>
               <a:rPr lang="zh-TW" altLang="en-US" sz="1800" dirty="0" smtClean="0"/>
-              <a:t>登入登出</a:t>
-            </a:r>
-            <a:r>
-              <a:rPr lang="zh-TW" altLang="en-US" sz="1800" dirty="0" smtClean="0"/>
-              <a:t>介面</a:t>
+              <a:t>登入登出介面</a:t>
             </a:r>
             <a:endParaRPr lang="en-US" altLang="zh-TW" sz="1800" dirty="0" smtClean="0"/>
           </a:p>
@@ -18931,11 +19362,7 @@
             </a:pPr>
             <a:r>
               <a:rPr lang="zh-TW" altLang="en-US" sz="1800" dirty="0" smtClean="0"/>
-              <a:t>系統主畫面及</a:t>
-            </a:r>
-            <a:r>
-              <a:rPr lang="zh-TW" altLang="en-US" sz="1800" dirty="0" smtClean="0"/>
-              <a:t>架構</a:t>
+              <a:t>系統主畫面及架構</a:t>
             </a:r>
             <a:endParaRPr lang="en-US" altLang="zh-TW" sz="1800" dirty="0" smtClean="0"/>
           </a:p>
@@ -19087,7 +19514,6 @@
               <a:rPr lang="en-US" altLang="zh-TW" sz="1600" dirty="0" smtClean="0"/>
               <a:t>)</a:t>
             </a:r>
-            <a:endParaRPr lang="en-US" altLang="zh-TW" sz="1600" dirty="0" smtClean="0"/>
           </a:p>
           <a:p>
             <a:pPr marL="1841500" lvl="3" indent="-342900">
@@ -19459,7 +19885,6 @@
               <a:rPr lang="en-US" altLang="zh-TW" sz="1600" dirty="0" smtClean="0"/>
               <a:t>)</a:t>
             </a:r>
-            <a:endParaRPr lang="en-US" altLang="zh-TW" sz="1600" dirty="0" smtClean="0"/>
           </a:p>
           <a:p>
             <a:pPr marL="1841500" lvl="3" indent="-342900">
@@ -19816,7 +20241,6 @@
               <a:rPr lang="zh-TW" altLang="en-US" dirty="0"/>
               <a:t>交付文件</a:t>
             </a:r>
-            <a:endParaRPr lang="zh-TW" altLang="en-US" dirty="0"/>
           </a:p>
         </p:txBody>
       </p:sp>
@@ -20072,11 +20496,7 @@
             </a:r>
             <a:r>
               <a:rPr lang="zh-TW" altLang="en-US" dirty="0" smtClean="0"/>
-              <a:t>工時</a:t>
-            </a:r>
-            <a:r>
-              <a:rPr lang="zh-TW" altLang="en-US" dirty="0" smtClean="0"/>
-              <a:t>預估</a:t>
+              <a:t>工時預估</a:t>
             </a:r>
             <a:endParaRPr lang="zh-TW" altLang="en-US" dirty="0"/>
           </a:p>
@@ -20110,49 +20530,49 @@
                 <a:gridCol w="756140">
                   <a:extLst>
                     <a:ext uri="{9D8B030D-6E8A-4147-A177-3AD203B41FA5}">
-                      <a16:colId xmlns:a16="http://schemas.microsoft.com/office/drawing/2014/main" val="2741072548"/>
+                      <a16:colId xmlns:a16="http://schemas.microsoft.com/office/drawing/2014/main" xmlns="" val="2741072548"/>
                     </a:ext>
                   </a:extLst>
                 </a:gridCol>
                 <a:gridCol w="1931776">
                   <a:extLst>
                     <a:ext uri="{9D8B030D-6E8A-4147-A177-3AD203B41FA5}">
-                      <a16:colId xmlns:a16="http://schemas.microsoft.com/office/drawing/2014/main" val="3617428889"/>
+                      <a16:colId xmlns:a16="http://schemas.microsoft.com/office/drawing/2014/main" xmlns="" val="3617428889"/>
                     </a:ext>
                   </a:extLst>
                 </a:gridCol>
                 <a:gridCol w="1046791">
                   <a:extLst>
                     <a:ext uri="{9D8B030D-6E8A-4147-A177-3AD203B41FA5}">
-                      <a16:colId xmlns:a16="http://schemas.microsoft.com/office/drawing/2014/main" val="1684143745"/>
+                      <a16:colId xmlns:a16="http://schemas.microsoft.com/office/drawing/2014/main" xmlns="" val="1684143745"/>
                     </a:ext>
                   </a:extLst>
                 </a:gridCol>
                 <a:gridCol w="1046791">
                   <a:extLst>
                     <a:ext uri="{9D8B030D-6E8A-4147-A177-3AD203B41FA5}">
-                      <a16:colId xmlns:a16="http://schemas.microsoft.com/office/drawing/2014/main" val="572251902"/>
+                      <a16:colId xmlns:a16="http://schemas.microsoft.com/office/drawing/2014/main" xmlns="" val="572251902"/>
                     </a:ext>
                   </a:extLst>
                 </a:gridCol>
                 <a:gridCol w="1046791">
                   <a:extLst>
                     <a:ext uri="{9D8B030D-6E8A-4147-A177-3AD203B41FA5}">
-                      <a16:colId xmlns:a16="http://schemas.microsoft.com/office/drawing/2014/main" val="3143717021"/>
+                      <a16:colId xmlns:a16="http://schemas.microsoft.com/office/drawing/2014/main" xmlns="" val="3143717021"/>
                     </a:ext>
                   </a:extLst>
                 </a:gridCol>
                 <a:gridCol w="1046791">
                   <a:extLst>
                     <a:ext uri="{9D8B030D-6E8A-4147-A177-3AD203B41FA5}">
-                      <a16:colId xmlns:a16="http://schemas.microsoft.com/office/drawing/2014/main" val="3510695711"/>
+                      <a16:colId xmlns:a16="http://schemas.microsoft.com/office/drawing/2014/main" xmlns="" val="3510695711"/>
                     </a:ext>
                   </a:extLst>
                 </a:gridCol>
                 <a:gridCol w="800606">
                   <a:extLst>
                     <a:ext uri="{9D8B030D-6E8A-4147-A177-3AD203B41FA5}">
-                      <a16:colId xmlns:a16="http://schemas.microsoft.com/office/drawing/2014/main" val="2527491505"/>
+                      <a16:colId xmlns:a16="http://schemas.microsoft.com/office/drawing/2014/main" xmlns="" val="2527491505"/>
                     </a:ext>
                   </a:extLst>
                 </a:gridCol>
@@ -20584,7 +21004,7 @@
                 </a:tc>
                 <a:extLst>
                   <a:ext uri="{0D108BD9-81ED-4DB2-BD59-A6C34878D82A}">
-                    <a16:rowId xmlns:a16="http://schemas.microsoft.com/office/drawing/2014/main" val="1699691933"/>
+                    <a16:rowId xmlns:a16="http://schemas.microsoft.com/office/drawing/2014/main" xmlns="" val="1699691933"/>
                   </a:ext>
                 </a:extLst>
               </a:tr>
@@ -20967,7 +21387,7 @@
                 </a:tc>
                 <a:extLst>
                   <a:ext uri="{0D108BD9-81ED-4DB2-BD59-A6C34878D82A}">
-                    <a16:rowId xmlns:a16="http://schemas.microsoft.com/office/drawing/2014/main" val="3698021801"/>
+                    <a16:rowId xmlns:a16="http://schemas.microsoft.com/office/drawing/2014/main" xmlns="" val="3698021801"/>
                   </a:ext>
                 </a:extLst>
               </a:tr>
@@ -21367,7 +21787,7 @@
                 </a:tc>
                 <a:extLst>
                   <a:ext uri="{0D108BD9-81ED-4DB2-BD59-A6C34878D82A}">
-                    <a16:rowId xmlns:a16="http://schemas.microsoft.com/office/drawing/2014/main" val="1711947480"/>
+                    <a16:rowId xmlns:a16="http://schemas.microsoft.com/office/drawing/2014/main" xmlns="" val="1711947480"/>
                   </a:ext>
                 </a:extLst>
               </a:tr>
@@ -21636,7 +22056,7 @@
                 </a:tc>
                 <a:extLst>
                   <a:ext uri="{0D108BD9-81ED-4DB2-BD59-A6C34878D82A}">
-                    <a16:rowId xmlns:a16="http://schemas.microsoft.com/office/drawing/2014/main" val="2694924704"/>
+                    <a16:rowId xmlns:a16="http://schemas.microsoft.com/office/drawing/2014/main" xmlns="" val="2694924704"/>
                   </a:ext>
                 </a:extLst>
               </a:tr>
@@ -21923,7 +22343,7 @@
                 </a:tc>
                 <a:extLst>
                   <a:ext uri="{0D108BD9-81ED-4DB2-BD59-A6C34878D82A}">
-                    <a16:rowId xmlns:a16="http://schemas.microsoft.com/office/drawing/2014/main" val="3568644430"/>
+                    <a16:rowId xmlns:a16="http://schemas.microsoft.com/office/drawing/2014/main" xmlns="" val="3568644430"/>
                   </a:ext>
                 </a:extLst>
               </a:tr>
@@ -22169,7 +22589,7 @@
                 </a:tc>
                 <a:extLst>
                   <a:ext uri="{0D108BD9-81ED-4DB2-BD59-A6C34878D82A}">
-                    <a16:rowId xmlns:a16="http://schemas.microsoft.com/office/drawing/2014/main" val="172674488"/>
+                    <a16:rowId xmlns:a16="http://schemas.microsoft.com/office/drawing/2014/main" xmlns="" val="172674488"/>
                   </a:ext>
                 </a:extLst>
               </a:tr>
@@ -22415,7 +22835,7 @@
                 </a:tc>
                 <a:extLst>
                   <a:ext uri="{0D108BD9-81ED-4DB2-BD59-A6C34878D82A}">
-                    <a16:rowId xmlns:a16="http://schemas.microsoft.com/office/drawing/2014/main" val="1558695510"/>
+                    <a16:rowId xmlns:a16="http://schemas.microsoft.com/office/drawing/2014/main" xmlns="" val="1558695510"/>
                   </a:ext>
                 </a:extLst>
               </a:tr>
@@ -22661,7 +23081,7 @@
                 </a:tc>
                 <a:extLst>
                   <a:ext uri="{0D108BD9-81ED-4DB2-BD59-A6C34878D82A}">
-                    <a16:rowId xmlns:a16="http://schemas.microsoft.com/office/drawing/2014/main" val="2856932732"/>
+                    <a16:rowId xmlns:a16="http://schemas.microsoft.com/office/drawing/2014/main" xmlns="" val="2856932732"/>
                   </a:ext>
                 </a:extLst>
               </a:tr>
@@ -22930,7 +23350,7 @@
                 </a:tc>
                 <a:extLst>
                   <a:ext uri="{0D108BD9-81ED-4DB2-BD59-A6C34878D82A}">
-                    <a16:rowId xmlns:a16="http://schemas.microsoft.com/office/drawing/2014/main" val="985180039"/>
+                    <a16:rowId xmlns:a16="http://schemas.microsoft.com/office/drawing/2014/main" xmlns="" val="985180039"/>
                   </a:ext>
                 </a:extLst>
               </a:tr>
@@ -23161,7 +23581,7 @@
                 </a:tc>
                 <a:extLst>
                   <a:ext uri="{0D108BD9-81ED-4DB2-BD59-A6C34878D82A}">
-                    <a16:rowId xmlns:a16="http://schemas.microsoft.com/office/drawing/2014/main" val="773578497"/>
+                    <a16:rowId xmlns:a16="http://schemas.microsoft.com/office/drawing/2014/main" xmlns="" val="773578497"/>
                   </a:ext>
                 </a:extLst>
               </a:tr>
@@ -23392,7 +23812,7 @@
                 </a:tc>
                 <a:extLst>
                   <a:ext uri="{0D108BD9-81ED-4DB2-BD59-A6C34878D82A}">
-                    <a16:rowId xmlns:a16="http://schemas.microsoft.com/office/drawing/2014/main" val="19414195"/>
+                    <a16:rowId xmlns:a16="http://schemas.microsoft.com/office/drawing/2014/main" xmlns="" val="19414195"/>
                   </a:ext>
                 </a:extLst>
               </a:tr>
@@ -23623,7 +24043,7 @@
                 </a:tc>
                 <a:extLst>
                   <a:ext uri="{0D108BD9-81ED-4DB2-BD59-A6C34878D82A}">
-                    <a16:rowId xmlns:a16="http://schemas.microsoft.com/office/drawing/2014/main" val="3727132416"/>
+                    <a16:rowId xmlns:a16="http://schemas.microsoft.com/office/drawing/2014/main" xmlns="" val="3727132416"/>
                   </a:ext>
                 </a:extLst>
               </a:tr>
@@ -23910,7 +24330,7 @@
                 </a:tc>
                 <a:extLst>
                   <a:ext uri="{0D108BD9-81ED-4DB2-BD59-A6C34878D82A}">
-                    <a16:rowId xmlns:a16="http://schemas.microsoft.com/office/drawing/2014/main" val="576847272"/>
+                    <a16:rowId xmlns:a16="http://schemas.microsoft.com/office/drawing/2014/main" xmlns="" val="576847272"/>
                   </a:ext>
                 </a:extLst>
               </a:tr>
@@ -24156,7 +24576,7 @@
                 </a:tc>
                 <a:extLst>
                   <a:ext uri="{0D108BD9-81ED-4DB2-BD59-A6C34878D82A}">
-                    <a16:rowId xmlns:a16="http://schemas.microsoft.com/office/drawing/2014/main" val="3202235329"/>
+                    <a16:rowId xmlns:a16="http://schemas.microsoft.com/office/drawing/2014/main" xmlns="" val="3202235329"/>
                   </a:ext>
                 </a:extLst>
               </a:tr>
@@ -24402,7 +24822,7 @@
                 </a:tc>
                 <a:extLst>
                   <a:ext uri="{0D108BD9-81ED-4DB2-BD59-A6C34878D82A}">
-                    <a16:rowId xmlns:a16="http://schemas.microsoft.com/office/drawing/2014/main" val="3657862504"/>
+                    <a16:rowId xmlns:a16="http://schemas.microsoft.com/office/drawing/2014/main" xmlns="" val="3657862504"/>
                   </a:ext>
                 </a:extLst>
               </a:tr>
@@ -24648,7 +25068,7 @@
                 </a:tc>
                 <a:extLst>
                   <a:ext uri="{0D108BD9-81ED-4DB2-BD59-A6C34878D82A}">
-                    <a16:rowId xmlns:a16="http://schemas.microsoft.com/office/drawing/2014/main" val="3795195671"/>
+                    <a16:rowId xmlns:a16="http://schemas.microsoft.com/office/drawing/2014/main" xmlns="" val="3795195671"/>
                   </a:ext>
                 </a:extLst>
               </a:tr>
@@ -24894,7 +25314,7 @@
                 </a:tc>
                 <a:extLst>
                   <a:ext uri="{0D108BD9-81ED-4DB2-BD59-A6C34878D82A}">
-                    <a16:rowId xmlns:a16="http://schemas.microsoft.com/office/drawing/2014/main" val="3608882291"/>
+                    <a16:rowId xmlns:a16="http://schemas.microsoft.com/office/drawing/2014/main" xmlns="" val="3608882291"/>
                   </a:ext>
                 </a:extLst>
               </a:tr>
@@ -25140,7 +25560,7 @@
                 </a:tc>
                 <a:extLst>
                   <a:ext uri="{0D108BD9-81ED-4DB2-BD59-A6C34878D82A}">
-                    <a16:rowId xmlns:a16="http://schemas.microsoft.com/office/drawing/2014/main" val="1932414991"/>
+                    <a16:rowId xmlns:a16="http://schemas.microsoft.com/office/drawing/2014/main" xmlns="" val="1932414991"/>
                   </a:ext>
                 </a:extLst>
               </a:tr>
@@ -25425,7 +25845,7 @@
                 </a:tc>
                 <a:extLst>
                   <a:ext uri="{0D108BD9-81ED-4DB2-BD59-A6C34878D82A}">
-                    <a16:rowId xmlns:a16="http://schemas.microsoft.com/office/drawing/2014/main" val="1054563473"/>
+                    <a16:rowId xmlns:a16="http://schemas.microsoft.com/office/drawing/2014/main" xmlns="" val="1054563473"/>
                   </a:ext>
                 </a:extLst>
               </a:tr>
@@ -25656,7 +26076,7 @@
                 </a:tc>
                 <a:extLst>
                   <a:ext uri="{0D108BD9-81ED-4DB2-BD59-A6C34878D82A}">
-                    <a16:rowId xmlns:a16="http://schemas.microsoft.com/office/drawing/2014/main" val="29868131"/>
+                    <a16:rowId xmlns:a16="http://schemas.microsoft.com/office/drawing/2014/main" xmlns="" val="29868131"/>
                   </a:ext>
                 </a:extLst>
               </a:tr>
@@ -25887,7 +26307,7 @@
                 </a:tc>
                 <a:extLst>
                   <a:ext uri="{0D108BD9-81ED-4DB2-BD59-A6C34878D82A}">
-                    <a16:rowId xmlns:a16="http://schemas.microsoft.com/office/drawing/2014/main" val="1885234438"/>
+                    <a16:rowId xmlns:a16="http://schemas.microsoft.com/office/drawing/2014/main" xmlns="" val="1885234438"/>
                   </a:ext>
                 </a:extLst>
               </a:tr>
@@ -26118,7 +26538,7 @@
                 </a:tc>
                 <a:extLst>
                   <a:ext uri="{0D108BD9-81ED-4DB2-BD59-A6C34878D82A}">
-                    <a16:rowId xmlns:a16="http://schemas.microsoft.com/office/drawing/2014/main" val="3239598940"/>
+                    <a16:rowId xmlns:a16="http://schemas.microsoft.com/office/drawing/2014/main" xmlns="" val="3239598940"/>
                   </a:ext>
                 </a:extLst>
               </a:tr>
@@ -26349,7 +26769,7 @@
                 </a:tc>
                 <a:extLst>
                   <a:ext uri="{0D108BD9-81ED-4DB2-BD59-A6C34878D82A}">
-                    <a16:rowId xmlns:a16="http://schemas.microsoft.com/office/drawing/2014/main" val="445624938"/>
+                    <a16:rowId xmlns:a16="http://schemas.microsoft.com/office/drawing/2014/main" xmlns="" val="445624938"/>
                   </a:ext>
                 </a:extLst>
               </a:tr>
@@ -26580,7 +27000,7 @@
                 </a:tc>
                 <a:extLst>
                   <a:ext uri="{0D108BD9-81ED-4DB2-BD59-A6C34878D82A}">
-                    <a16:rowId xmlns:a16="http://schemas.microsoft.com/office/drawing/2014/main" val="2640656858"/>
+                    <a16:rowId xmlns:a16="http://schemas.microsoft.com/office/drawing/2014/main" xmlns="" val="2640656858"/>
                   </a:ext>
                 </a:extLst>
               </a:tr>
@@ -26892,7 +27312,7 @@
                 </a:tc>
                 <a:extLst>
                   <a:ext uri="{0D108BD9-81ED-4DB2-BD59-A6C34878D82A}">
-                    <a16:rowId xmlns:a16="http://schemas.microsoft.com/office/drawing/2014/main" val="828346246"/>
+                    <a16:rowId xmlns:a16="http://schemas.microsoft.com/office/drawing/2014/main" xmlns="" val="828346246"/>
                   </a:ext>
                 </a:extLst>
               </a:tr>
@@ -27138,7 +27558,7 @@
                 </a:tc>
                 <a:extLst>
                   <a:ext uri="{0D108BD9-81ED-4DB2-BD59-A6C34878D82A}">
-                    <a16:rowId xmlns:a16="http://schemas.microsoft.com/office/drawing/2014/main" val="3376252164"/>
+                    <a16:rowId xmlns:a16="http://schemas.microsoft.com/office/drawing/2014/main" xmlns="" val="3376252164"/>
                   </a:ext>
                 </a:extLst>
               </a:tr>
@@ -27384,7 +27804,7 @@
                 </a:tc>
                 <a:extLst>
                   <a:ext uri="{0D108BD9-81ED-4DB2-BD59-A6C34878D82A}">
-                    <a16:rowId xmlns:a16="http://schemas.microsoft.com/office/drawing/2014/main" val="3815981232"/>
+                    <a16:rowId xmlns:a16="http://schemas.microsoft.com/office/drawing/2014/main" xmlns="" val="3815981232"/>
                   </a:ext>
                 </a:extLst>
               </a:tr>
@@ -27675,7 +28095,7 @@
                 </a:tc>
                 <a:extLst>
                   <a:ext uri="{0D108BD9-81ED-4DB2-BD59-A6C34878D82A}">
-                    <a16:rowId xmlns:a16="http://schemas.microsoft.com/office/drawing/2014/main" val="4244474543"/>
+                    <a16:rowId xmlns:a16="http://schemas.microsoft.com/office/drawing/2014/main" xmlns="" val="4244474543"/>
                   </a:ext>
                 </a:extLst>
               </a:tr>
@@ -28042,7 +28462,7 @@
                 </a:tc>
                 <a:extLst>
                   <a:ext uri="{0D108BD9-81ED-4DB2-BD59-A6C34878D82A}">
-                    <a16:rowId xmlns:a16="http://schemas.microsoft.com/office/drawing/2014/main" val="2429919996"/>
+                    <a16:rowId xmlns:a16="http://schemas.microsoft.com/office/drawing/2014/main" xmlns="" val="2429919996"/>
                   </a:ext>
                 </a:extLst>
               </a:tr>
